--- a/angular2/slides/02_Language.pptx
+++ b/angular2/slides/02_Language.pptx
@@ -5,10 +5,10 @@
     <p:sldMasterId id="2147483772" r:id="rId1"/>
   </p:sldMasterIdLst>
   <p:notesMasterIdLst>
-    <p:notesMasterId r:id="rId52"/>
+    <p:notesMasterId r:id="rId51"/>
   </p:notesMasterIdLst>
   <p:handoutMasterIdLst>
-    <p:handoutMasterId r:id="rId53"/>
+    <p:handoutMasterId r:id="rId52"/>
   </p:handoutMasterIdLst>
   <p:sldIdLst>
     <p:sldId id="327" r:id="rId2"/>
@@ -50,7 +50,7 @@
     <p:sldId id="363" r:id="rId38"/>
     <p:sldId id="364" r:id="rId39"/>
     <p:sldId id="365" r:id="rId40"/>
-    <p:sldId id="366" r:id="rId41"/>
+    <p:sldId id="377" r:id="rId41"/>
     <p:sldId id="367" r:id="rId42"/>
     <p:sldId id="368" r:id="rId43"/>
     <p:sldId id="369" r:id="rId44"/>
@@ -58,9 +58,8 @@
     <p:sldId id="371" r:id="rId46"/>
     <p:sldId id="372" r:id="rId47"/>
     <p:sldId id="373" r:id="rId48"/>
-    <p:sldId id="374" r:id="rId49"/>
-    <p:sldId id="375" r:id="rId50"/>
-    <p:sldId id="376" r:id="rId51"/>
+    <p:sldId id="375" r:id="rId49"/>
+    <p:sldId id="376" r:id="rId50"/>
   </p:sldIdLst>
   <p:sldSz cx="9144000" cy="6858000" type="screen4x3"/>
   <p:notesSz cx="7302500" cy="9588500"/>
@@ -2531,7 +2530,6 @@
               <a:rPr lang="en-US" dirty="0" smtClean="0"/>
               <a:t> and ECMAScript</a:t>
             </a:r>
-            <a:endParaRPr lang="en-US" dirty="0" smtClean="0"/>
           </a:p>
         </p:txBody>
       </p:sp>
@@ -7437,13 +7435,8 @@
           <a:p>
             <a:r>
               <a:rPr lang="en-US" dirty="0" smtClean="0"/>
-              <a:t>Think about how current libraries </a:t>
-            </a:r>
-            <a:r>
-              <a:rPr lang="en-US" dirty="0" smtClean="0"/>
-              <a:t>from 2014 are designed</a:t>
-            </a:r>
-            <a:endParaRPr lang="en-US" dirty="0" smtClean="0"/>
+              <a:t>Think about how current libraries from 2014 are designed</a:t>
+            </a:r>
           </a:p>
           <a:p>
             <a:pPr lvl="1"/>
@@ -7522,9 +7515,10 @@
           <a:lstStyle/>
           <a:p>
             <a:r>
-              <a:rPr lang="en-US" dirty="0"/>
-              <a:t>Problem: Modularity &amp; Scope</a:t>
-            </a:r>
+              <a:rPr lang="en-US" dirty="0" smtClean="0"/>
+              <a:t>Decorators</a:t>
+            </a:r>
+            <a:endParaRPr lang="en-US" dirty="0"/>
           </a:p>
         </p:txBody>
       </p:sp>
@@ -7543,7 +7537,45 @@
           <a:bodyPr/>
           <a:lstStyle/>
           <a:p>
-            <a:endParaRPr lang="en-US"/>
+            <a:r>
+              <a:rPr lang="en-US" dirty="0" smtClean="0"/>
+              <a:t>@ symbol followed by a function</a:t>
+            </a:r>
+          </a:p>
+          <a:p>
+            <a:r>
+              <a:rPr lang="en-US" dirty="0" smtClean="0"/>
+              <a:t>Function can modify</a:t>
+            </a:r>
+          </a:p>
+          <a:p>
+            <a:pPr lvl="1"/>
+            <a:r>
+              <a:rPr lang="en-US" dirty="0" smtClean="0"/>
+              <a:t>A class</a:t>
+            </a:r>
+          </a:p>
+          <a:p>
+            <a:pPr lvl="1"/>
+            <a:r>
+              <a:rPr lang="en-US" dirty="0" smtClean="0"/>
+              <a:t>A property</a:t>
+            </a:r>
+          </a:p>
+          <a:p>
+            <a:pPr lvl="1"/>
+            <a:r>
+              <a:rPr lang="en-US" dirty="0" smtClean="0"/>
+              <a:t>A method</a:t>
+            </a:r>
+          </a:p>
+          <a:p>
+            <a:pPr lvl="1"/>
+            <a:r>
+              <a:rPr lang="en-US" dirty="0" smtClean="0"/>
+              <a:t>A parameter</a:t>
+            </a:r>
+            <a:endParaRPr lang="en-US" dirty="0"/>
           </a:p>
         </p:txBody>
       </p:sp>
@@ -7563,8 +7595,32 @@
         </p:blipFill>
         <p:spPr>
           <a:xfrm>
-            <a:off x="1600200" y="1152525"/>
-            <a:ext cx="5943600" cy="4867275"/>
+            <a:off x="2895600" y="2438400"/>
+            <a:ext cx="5695950" cy="2695575"/>
+          </a:xfrm>
+          <a:prstGeom prst="rect">
+            <a:avLst/>
+          </a:prstGeom>
+        </p:spPr>
+      </p:pic>
+      <p:pic>
+        <p:nvPicPr>
+          <p:cNvPr id="5" name="Picture 4"/>
+          <p:cNvPicPr>
+            <a:picLocks noChangeAspect="1"/>
+          </p:cNvPicPr>
+          <p:nvPr/>
+        </p:nvPicPr>
+        <p:blipFill>
+          <a:blip r:embed="rId3"/>
+          <a:stretch>
+            <a:fillRect/>
+          </a:stretch>
+        </p:blipFill>
+        <p:spPr>
+          <a:xfrm>
+            <a:off x="833437" y="3505200"/>
+            <a:ext cx="7477125" cy="3104537"/>
           </a:xfrm>
           <a:prstGeom prst="rect">
             <a:avLst/>
@@ -7574,7 +7630,7 @@
     </p:spTree>
     <p:extLst>
       <p:ext uri="{BB962C8B-B14F-4D97-AF65-F5344CB8AC3E}">
-        <p14:creationId xmlns:p14="http://schemas.microsoft.com/office/powerpoint/2010/main" val="129782694"/>
+        <p14:creationId xmlns:p14="http://schemas.microsoft.com/office/powerpoint/2010/main" val="1227678793"/>
       </p:ext>
     </p:extLst>
   </p:cSld>
@@ -7584,6 +7640,142 @@
   <p:transition>
     <p:fade/>
   </p:transition>
+  <p:timing>
+    <p:tnLst>
+      <p:par>
+        <p:cTn id="1" dur="indefinite" restart="never" nodeType="tmRoot">
+          <p:childTnLst>
+            <p:seq concurrent="1" nextAc="seek">
+              <p:cTn id="2" dur="indefinite" nodeType="mainSeq">
+                <p:childTnLst>
+                  <p:par>
+                    <p:cTn id="3" fill="hold">
+                      <p:stCondLst>
+                        <p:cond delay="indefinite"/>
+                      </p:stCondLst>
+                      <p:childTnLst>
+                        <p:par>
+                          <p:cTn id="4" fill="hold">
+                            <p:stCondLst>
+                              <p:cond delay="0"/>
+                            </p:stCondLst>
+                            <p:childTnLst>
+                              <p:par>
+                                <p:cTn id="5" presetID="10" presetClass="entr" presetSubtype="0" fill="hold" nodeType="clickEffect">
+                                  <p:stCondLst>
+                                    <p:cond delay="0"/>
+                                  </p:stCondLst>
+                                  <p:childTnLst>
+                                    <p:set>
+                                      <p:cBhvr>
+                                        <p:cTn id="6" dur="1" fill="hold">
+                                          <p:stCondLst>
+                                            <p:cond delay="0"/>
+                                          </p:stCondLst>
+                                        </p:cTn>
+                                        <p:tgtEl>
+                                          <p:spTgt spid="4"/>
+                                        </p:tgtEl>
+                                        <p:attrNameLst>
+                                          <p:attrName>style.visibility</p:attrName>
+                                        </p:attrNameLst>
+                                      </p:cBhvr>
+                                      <p:to>
+                                        <p:strVal val="visible"/>
+                                      </p:to>
+                                    </p:set>
+                                    <p:animEffect transition="in" filter="fade">
+                                      <p:cBhvr>
+                                        <p:cTn id="7" dur="500"/>
+                                        <p:tgtEl>
+                                          <p:spTgt spid="4"/>
+                                        </p:tgtEl>
+                                      </p:cBhvr>
+                                    </p:animEffect>
+                                  </p:childTnLst>
+                                </p:cTn>
+                              </p:par>
+                            </p:childTnLst>
+                          </p:cTn>
+                        </p:par>
+                      </p:childTnLst>
+                    </p:cTn>
+                  </p:par>
+                  <p:par>
+                    <p:cTn id="8" fill="hold">
+                      <p:stCondLst>
+                        <p:cond delay="indefinite"/>
+                      </p:stCondLst>
+                      <p:childTnLst>
+                        <p:par>
+                          <p:cTn id="9" fill="hold">
+                            <p:stCondLst>
+                              <p:cond delay="0"/>
+                            </p:stCondLst>
+                            <p:childTnLst>
+                              <p:par>
+                                <p:cTn id="10" presetID="10" presetClass="entr" presetSubtype="0" fill="hold" nodeType="clickEffect">
+                                  <p:stCondLst>
+                                    <p:cond delay="0"/>
+                                  </p:stCondLst>
+                                  <p:childTnLst>
+                                    <p:set>
+                                      <p:cBhvr>
+                                        <p:cTn id="11" dur="1" fill="hold">
+                                          <p:stCondLst>
+                                            <p:cond delay="0"/>
+                                          </p:stCondLst>
+                                        </p:cTn>
+                                        <p:tgtEl>
+                                          <p:spTgt spid="5"/>
+                                        </p:tgtEl>
+                                        <p:attrNameLst>
+                                          <p:attrName>style.visibility</p:attrName>
+                                        </p:attrNameLst>
+                                      </p:cBhvr>
+                                      <p:to>
+                                        <p:strVal val="visible"/>
+                                      </p:to>
+                                    </p:set>
+                                    <p:animEffect transition="in" filter="fade">
+                                      <p:cBhvr>
+                                        <p:cTn id="12" dur="500"/>
+                                        <p:tgtEl>
+                                          <p:spTgt spid="5"/>
+                                        </p:tgtEl>
+                                      </p:cBhvr>
+                                    </p:animEffect>
+                                  </p:childTnLst>
+                                </p:cTn>
+                              </p:par>
+                            </p:childTnLst>
+                          </p:cTn>
+                        </p:par>
+                      </p:childTnLst>
+                    </p:cTn>
+                  </p:par>
+                </p:childTnLst>
+              </p:cTn>
+              <p:prevCondLst>
+                <p:cond evt="onPrev" delay="0">
+                  <p:tgtEl>
+                    <p:sldTgt/>
+                  </p:tgtEl>
+                </p:cond>
+              </p:prevCondLst>
+              <p:nextCondLst>
+                <p:cond evt="onNext" delay="0">
+                  <p:tgtEl>
+                    <p:sldTgt/>
+                  </p:tgtEl>
+                </p:cond>
+              </p:nextCondLst>
+            </p:seq>
+          </p:childTnLst>
+        </p:cTn>
+      </p:par>
+    </p:tnLst>
+  </p:timing>
 </p:sld>
 </file>
 
@@ -8257,6 +8449,30 @@
           </a:p>
         </p:txBody>
       </p:sp>
+      <p:pic>
+        <p:nvPicPr>
+          <p:cNvPr id="4" name="Picture 3"/>
+          <p:cNvPicPr>
+            <a:picLocks noChangeAspect="1"/>
+          </p:cNvPicPr>
+          <p:nvPr/>
+        </p:nvPicPr>
+        <p:blipFill>
+          <a:blip r:embed="rId2"/>
+          <a:stretch>
+            <a:fillRect/>
+          </a:stretch>
+        </p:blipFill>
+        <p:spPr>
+          <a:xfrm>
+            <a:off x="1981200" y="3124200"/>
+            <a:ext cx="4324350" cy="3046701"/>
+          </a:xfrm>
+          <a:prstGeom prst="rect">
+            <a:avLst/>
+          </a:prstGeom>
+        </p:spPr>
+      </p:pic>
     </p:spTree>
     <p:extLst>
       <p:ext uri="{BB962C8B-B14F-4D97-AF65-F5344CB8AC3E}">
@@ -8328,10 +8544,50 @@
           <a:bodyPr/>
           <a:lstStyle/>
           <a:p>
-            <a:endParaRPr lang="en-US"/>
-          </a:p>
-        </p:txBody>
-      </p:sp>
+            <a:r>
+              <a:rPr lang="en-US" dirty="0" smtClean="0"/>
+              <a:t>Public is the default</a:t>
+            </a:r>
+            <a:endParaRPr lang="en-US" dirty="0"/>
+          </a:p>
+          <a:p>
+            <a:pPr lvl="1"/>
+            <a:r>
+              <a:rPr lang="en-US" dirty="0" smtClean="0"/>
+              <a:t>Compiler enforces private keyword</a:t>
+            </a:r>
+            <a:endParaRPr lang="en-US" dirty="0"/>
+          </a:p>
+          <a:p>
+            <a:pPr lvl="1"/>
+            <a:endParaRPr lang="en-US" dirty="0" smtClean="0"/>
+          </a:p>
+        </p:txBody>
+      </p:sp>
+      <p:pic>
+        <p:nvPicPr>
+          <p:cNvPr id="4" name="Picture 3"/>
+          <p:cNvPicPr>
+            <a:picLocks noChangeAspect="1"/>
+          </p:cNvPicPr>
+          <p:nvPr/>
+        </p:nvPicPr>
+        <p:blipFill>
+          <a:blip r:embed="rId2"/>
+          <a:stretch>
+            <a:fillRect/>
+          </a:stretch>
+        </p:blipFill>
+        <p:spPr>
+          <a:xfrm>
+            <a:off x="469900" y="2971800"/>
+            <a:ext cx="8248650" cy="2562225"/>
+          </a:xfrm>
+          <a:prstGeom prst="rect">
+            <a:avLst/>
+          </a:prstGeom>
+        </p:spPr>
+      </p:pic>
     </p:spTree>
     <p:extLst>
       <p:ext uri="{BB962C8B-B14F-4D97-AF65-F5344CB8AC3E}">
@@ -8403,10 +8659,38 @@
           <a:bodyPr/>
           <a:lstStyle/>
           <a:p>
-            <a:endParaRPr lang="en-US"/>
-          </a:p>
-        </p:txBody>
-      </p:sp>
+            <a:r>
+              <a:rPr lang="en-US" dirty="0" smtClean="0"/>
+              <a:t>Can have return types, optional and default parameters</a:t>
+            </a:r>
+            <a:endParaRPr lang="en-US" dirty="0"/>
+          </a:p>
+        </p:txBody>
+      </p:sp>
+      <p:pic>
+        <p:nvPicPr>
+          <p:cNvPr id="5" name="Picture 4"/>
+          <p:cNvPicPr>
+            <a:picLocks noChangeAspect="1"/>
+          </p:cNvPicPr>
+          <p:nvPr/>
+        </p:nvPicPr>
+        <p:blipFill>
+          <a:blip r:embed="rId2"/>
+          <a:stretch>
+            <a:fillRect/>
+          </a:stretch>
+        </p:blipFill>
+        <p:spPr>
+          <a:xfrm>
+            <a:off x="990600" y="2590800"/>
+            <a:ext cx="6806984" cy="1843087"/>
+          </a:xfrm>
+          <a:prstGeom prst="rect">
+            <a:avLst/>
+          </a:prstGeom>
+        </p:spPr>
+      </p:pic>
     </p:spTree>
     <p:extLst>
       <p:ext uri="{BB962C8B-B14F-4D97-AF65-F5344CB8AC3E}">
@@ -8478,10 +8762,45 @@
           <a:bodyPr/>
           <a:lstStyle/>
           <a:p>
-            <a:endParaRPr lang="en-US"/>
-          </a:p>
-        </p:txBody>
-      </p:sp>
+            <a:r>
+              <a:rPr lang="en-US" dirty="0" smtClean="0"/>
+              <a:t>Use generic types to parameterize a function or class</a:t>
+            </a:r>
+          </a:p>
+          <a:p>
+            <a:pPr lvl="1"/>
+            <a:r>
+              <a:rPr lang="en-US" dirty="0" smtClean="0"/>
+              <a:t>Generic constraints can make type programmable</a:t>
+            </a:r>
+            <a:endParaRPr lang="en-US" dirty="0"/>
+          </a:p>
+        </p:txBody>
+      </p:sp>
+      <p:pic>
+        <p:nvPicPr>
+          <p:cNvPr id="4" name="Picture 3"/>
+          <p:cNvPicPr>
+            <a:picLocks noChangeAspect="1"/>
+          </p:cNvPicPr>
+          <p:nvPr/>
+        </p:nvPicPr>
+        <p:blipFill>
+          <a:blip r:embed="rId2"/>
+          <a:stretch>
+            <a:fillRect/>
+          </a:stretch>
+        </p:blipFill>
+        <p:spPr>
+          <a:xfrm>
+            <a:off x="1752600" y="2743200"/>
+            <a:ext cx="5257800" cy="2638425"/>
+          </a:xfrm>
+          <a:prstGeom prst="rect">
+            <a:avLst/>
+          </a:prstGeom>
+        </p:spPr>
+      </p:pic>
     </p:spTree>
     <p:extLst>
       <p:ext uri="{BB962C8B-B14F-4D97-AF65-F5344CB8AC3E}">
@@ -8531,36 +8850,80 @@
           <a:lstStyle/>
           <a:p>
             <a:r>
+              <a:rPr lang="en-US" dirty="0" smtClean="0"/>
+              <a:t>Declaration Files</a:t>
+            </a:r>
+            <a:endParaRPr lang="en-US" dirty="0"/>
+          </a:p>
+        </p:txBody>
+      </p:sp>
+      <p:sp>
+        <p:nvSpPr>
+          <p:cNvPr id="3" name="Text Placeholder 2"/>
+          <p:cNvSpPr>
+            <a:spLocks noGrp="1"/>
+          </p:cNvSpPr>
+          <p:nvPr>
+            <p:ph type="body" idx="1"/>
+          </p:nvPr>
+        </p:nvSpPr>
+        <p:spPr/>
+        <p:txBody>
+          <a:bodyPr/>
+          <a:lstStyle/>
+          <a:p>
+            <a:r>
+              <a:rPr lang="en-US" dirty="0" smtClean="0"/>
+              <a:t>.</a:t>
+            </a:r>
+            <a:r>
               <a:rPr lang="en-US" dirty="0" err="1" smtClean="0"/>
-              <a:t>Mixins</a:t>
+              <a:t>d.ts</a:t>
+            </a:r>
+            <a:r>
+              <a:rPr lang="en-US" dirty="0" smtClean="0"/>
+              <a:t> files provide type metadata for 3</a:t>
+            </a:r>
+            <a:r>
+              <a:rPr lang="en-US" baseline="30000" dirty="0" smtClean="0"/>
+              <a:t>rd</a:t>
+            </a:r>
+            <a:r>
+              <a:rPr lang="en-US" dirty="0" smtClean="0"/>
+              <a:t> parties</a:t>
             </a:r>
             <a:endParaRPr lang="en-US" dirty="0"/>
           </a:p>
         </p:txBody>
       </p:sp>
-      <p:sp>
-        <p:nvSpPr>
-          <p:cNvPr id="3" name="Text Placeholder 2"/>
-          <p:cNvSpPr>
-            <a:spLocks noGrp="1"/>
-          </p:cNvSpPr>
-          <p:nvPr>
-            <p:ph type="body" idx="1"/>
-          </p:nvPr>
-        </p:nvSpPr>
-        <p:spPr/>
-        <p:txBody>
-          <a:bodyPr/>
-          <a:lstStyle/>
-          <a:p>
-            <a:endParaRPr lang="en-US"/>
-          </a:p>
-        </p:txBody>
-      </p:sp>
+      <p:pic>
+        <p:nvPicPr>
+          <p:cNvPr id="4" name="Picture 3"/>
+          <p:cNvPicPr>
+            <a:picLocks noChangeAspect="1"/>
+          </p:cNvPicPr>
+          <p:nvPr/>
+        </p:nvPicPr>
+        <p:blipFill>
+          <a:blip r:embed="rId2"/>
+          <a:stretch>
+            <a:fillRect/>
+          </a:stretch>
+        </p:blipFill>
+        <p:spPr>
+          <a:xfrm>
+            <a:off x="4419600" y="2286000"/>
+            <a:ext cx="2133600" cy="3879273"/>
+          </a:xfrm>
+          <a:prstGeom prst="rect">
+            <a:avLst/>
+          </a:prstGeom>
+        </p:spPr>
+      </p:pic>
     </p:spTree>
     <p:extLst>
       <p:ext uri="{BB962C8B-B14F-4D97-AF65-F5344CB8AC3E}">
-        <p14:creationId xmlns:p14="http://schemas.microsoft.com/office/powerpoint/2010/main" val="838177229"/>
+        <p14:creationId xmlns:p14="http://schemas.microsoft.com/office/powerpoint/2010/main" val="2232992167"/>
       </p:ext>
     </p:extLst>
   </p:cSld>
@@ -8606,36 +8969,75 @@
           <a:lstStyle/>
           <a:p>
             <a:r>
+              <a:rPr lang="en-US" dirty="0" smtClean="0"/>
+              <a:t>Summary</a:t>
+            </a:r>
+            <a:endParaRPr lang="en-US" dirty="0"/>
+          </a:p>
+        </p:txBody>
+      </p:sp>
+      <p:sp>
+        <p:nvSpPr>
+          <p:cNvPr id="3" name="Text Placeholder 2"/>
+          <p:cNvSpPr>
+            <a:spLocks noGrp="1"/>
+          </p:cNvSpPr>
+          <p:nvPr>
+            <p:ph type="body" idx="1"/>
+          </p:nvPr>
+        </p:nvSpPr>
+        <p:spPr/>
+        <p:txBody>
+          <a:bodyPr/>
+          <a:lstStyle/>
+          <a:p>
+            <a:r>
+              <a:rPr lang="en-US" dirty="0" smtClean="0"/>
+              <a:t>ES2015 is a new language</a:t>
+            </a:r>
+          </a:p>
+          <a:p>
+            <a:pPr lvl="1"/>
+            <a:r>
+              <a:rPr lang="en-US" dirty="0" smtClean="0"/>
+              <a:t>Classes, arrow functions, generators, and more</a:t>
+            </a:r>
+          </a:p>
+          <a:p>
+            <a:r>
               <a:rPr lang="en-US" dirty="0" err="1" smtClean="0"/>
-              <a:t>Typings</a:t>
+              <a:t>TypeScript</a:t>
+            </a:r>
+            <a:r>
+              <a:rPr lang="en-US" dirty="0" smtClean="0"/>
+              <a:t> </a:t>
+            </a:r>
+            <a:r>
+              <a:rPr lang="en-US" dirty="0" smtClean="0"/>
+              <a:t>adds optional type annotations</a:t>
+            </a:r>
+          </a:p>
+          <a:p>
+            <a:pPr lvl="1"/>
+            <a:r>
+              <a:rPr lang="en-US" dirty="0" smtClean="0"/>
+              <a:t>Types are structural</a:t>
+            </a:r>
+          </a:p>
+          <a:p>
+            <a:pPr lvl="1"/>
+            <a:r>
+              <a:rPr lang="en-US" dirty="0" smtClean="0"/>
+              <a:t>Type annotations useful for tooling and compile time checks</a:t>
             </a:r>
             <a:endParaRPr lang="en-US" dirty="0"/>
-          </a:p>
-        </p:txBody>
-      </p:sp>
-      <p:sp>
-        <p:nvSpPr>
-          <p:cNvPr id="3" name="Text Placeholder 2"/>
-          <p:cNvSpPr>
-            <a:spLocks noGrp="1"/>
-          </p:cNvSpPr>
-          <p:nvPr>
-            <p:ph type="body" idx="1"/>
-          </p:nvPr>
-        </p:nvSpPr>
-        <p:spPr/>
-        <p:txBody>
-          <a:bodyPr/>
-          <a:lstStyle/>
-          <a:p>
-            <a:endParaRPr lang="en-US"/>
           </a:p>
         </p:txBody>
       </p:sp>
     </p:spTree>
     <p:extLst>
       <p:ext uri="{BB962C8B-B14F-4D97-AF65-F5344CB8AC3E}">
-        <p14:creationId xmlns:p14="http://schemas.microsoft.com/office/powerpoint/2010/main" val="2232992167"/>
+        <p14:creationId xmlns:p14="http://schemas.microsoft.com/office/powerpoint/2010/main" val="440745854"/>
       </p:ext>
     </p:extLst>
   </p:cSld>
@@ -8739,81 +9141,6 @@
     <p:extLst>
       <p:ext uri="{BB962C8B-B14F-4D97-AF65-F5344CB8AC3E}">
         <p14:creationId xmlns:p14="http://schemas.microsoft.com/office/powerpoint/2010/main" val="116960522"/>
-      </p:ext>
-    </p:extLst>
-  </p:cSld>
-  <p:clrMapOvr>
-    <a:masterClrMapping/>
-  </p:clrMapOvr>
-  <p:transition>
-    <p:fade/>
-  </p:transition>
-</p:sld>
-</file>
-
-<file path=ppt/slides/slide50.xml><?xml version="1.0" encoding="utf-8"?>
-<p:sld xmlns:a="http://schemas.openxmlformats.org/drawingml/2006/main" xmlns:r="http://schemas.openxmlformats.org/officeDocument/2006/relationships" xmlns:p="http://schemas.openxmlformats.org/presentationml/2006/main">
-  <p:cSld>
-    <p:spTree>
-      <p:nvGrpSpPr>
-        <p:cNvPr id="1" name=""/>
-        <p:cNvGrpSpPr/>
-        <p:nvPr/>
-      </p:nvGrpSpPr>
-      <p:grpSpPr>
-        <a:xfrm>
-          <a:off x="0" y="0"/>
-          <a:ext cx="0" cy="0"/>
-          <a:chOff x="0" y="0"/>
-          <a:chExt cx="0" cy="0"/>
-        </a:xfrm>
-      </p:grpSpPr>
-      <p:sp>
-        <p:nvSpPr>
-          <p:cNvPr id="2" name="Title 1"/>
-          <p:cNvSpPr>
-            <a:spLocks noGrp="1"/>
-          </p:cNvSpPr>
-          <p:nvPr>
-            <p:ph type="title"/>
-          </p:nvPr>
-        </p:nvSpPr>
-        <p:spPr/>
-        <p:txBody>
-          <a:bodyPr/>
-          <a:lstStyle/>
-          <a:p>
-            <a:r>
-              <a:rPr lang="en-US" dirty="0" smtClean="0"/>
-              <a:t>Summary</a:t>
-            </a:r>
-            <a:endParaRPr lang="en-US" dirty="0"/>
-          </a:p>
-        </p:txBody>
-      </p:sp>
-      <p:sp>
-        <p:nvSpPr>
-          <p:cNvPr id="3" name="Text Placeholder 2"/>
-          <p:cNvSpPr>
-            <a:spLocks noGrp="1"/>
-          </p:cNvSpPr>
-          <p:nvPr>
-            <p:ph type="body" idx="1"/>
-          </p:nvPr>
-        </p:nvSpPr>
-        <p:spPr/>
-        <p:txBody>
-          <a:bodyPr/>
-          <a:lstStyle/>
-          <a:p>
-            <a:endParaRPr lang="en-US"/>
-          </a:p>
-        </p:txBody>
-      </p:sp>
-    </p:spTree>
-    <p:extLst>
-      <p:ext uri="{BB962C8B-B14F-4D97-AF65-F5344CB8AC3E}">
-        <p14:creationId xmlns:p14="http://schemas.microsoft.com/office/powerpoint/2010/main" val="440745854"/>
       </p:ext>
     </p:extLst>
   </p:cSld>

--- a/angular2/slides/02_Language.pptx
+++ b/angular2/slides/02_Language.pptx
@@ -312,7 +312,7 @@
               <a:pPr>
                 <a:defRPr/>
               </a:pPr>
-              <a:t>12/17/2015</a:t>
+              <a:t>12/18/2015</a:t>
             </a:fld>
             <a:endParaRPr lang="en-US"/>
           </a:p>
@@ -2523,11 +2523,11 @@
           <a:p>
             <a:pPr defTabSz="914400" eaLnBrk="1" hangingPunct="1"/>
             <a:r>
-              <a:rPr lang="en-US" dirty="0" err="1" smtClean="0"/>
+              <a:rPr lang="en-US" sz="3200" b="1" dirty="0" err="1" smtClean="0"/>
               <a:t>TypeScript</a:t>
             </a:r>
             <a:r>
-              <a:rPr lang="en-US" dirty="0" smtClean="0"/>
+              <a:rPr lang="en-US" sz="3200" b="1" dirty="0" smtClean="0"/>
               <a:t> and ECMAScript</a:t>
             </a:r>
           </a:p>
@@ -9010,11 +9010,7 @@
             </a:r>
             <a:r>
               <a:rPr lang="en-US" dirty="0" smtClean="0"/>
-              <a:t> </a:t>
-            </a:r>
-            <a:r>
-              <a:rPr lang="en-US" dirty="0" smtClean="0"/>
-              <a:t>adds optional type annotations</a:t>
+              <a:t> adds optional type annotations</a:t>
             </a:r>
           </a:p>
           <a:p>
